--- a/courses/sysprog/slides/lec12-funList.pptx
+++ b/courses/sysprog/slides/lec12-funList.pptx
@@ -1,6 +1,6 @@
 
 <file path=ppt/presentation.xml><?xml version="1.0" encoding="utf-8"?>
-<p:presentation xmlns:a="http://schemas.openxmlformats.org/drawingml/2006/main" xmlns:r="http://schemas.openxmlformats.org/officeDocument/2006/relationships" xmlns:p="http://schemas.openxmlformats.org/presentationml/2006/main" compatMode="1" saveSubsetFonts="1" autoCompressPictures="0">
+<p:presentation xmlns:a="http://schemas.openxmlformats.org/drawingml/2006/main" xmlns:r="http://schemas.openxmlformats.org/officeDocument/2006/relationships" xmlns:p="http://schemas.openxmlformats.org/presentationml/2006/main" saveSubsetFonts="1" autoCompressPictures="0">
   <p:sldMasterIdLst>
     <p:sldMasterId id="2147483649" r:id="rId1"/>
   </p:sldMasterIdLst>
@@ -5215,13 +5215,49 @@
               <a:buNone/>
             </a:pPr>
             <a:r>
-              <a:rPr lang="en-US" altLang="zh-CN" sz="2000" b="1">
+              <a:rPr lang="en-US" altLang="zh-CN" sz="2000" b="1" dirty="0">
                 <a:solidFill>
                   <a:schemeClr val="folHlink"/>
                 </a:solidFill>
                 <a:latin typeface="Courier New" panose="02070309020205020404" pitchFamily="49" charset="0"/>
               </a:rPr>
-              <a:t>void List_foreach (List_t l, void (*f)(poly))</a:t>
+              <a:t>void </a:t>
+            </a:r>
+            <a:r>
+              <a:rPr lang="en-US" altLang="zh-CN" sz="2000" b="1" dirty="0" err="1">
+                <a:solidFill>
+                  <a:schemeClr val="folHlink"/>
+                </a:solidFill>
+                <a:latin typeface="Courier New" panose="02070309020205020404" pitchFamily="49" charset="0"/>
+              </a:rPr>
+              <a:t>List_foreach</a:t>
+            </a:r>
+            <a:r>
+              <a:rPr lang="en-US" altLang="zh-CN" sz="2000" b="1" dirty="0">
+                <a:solidFill>
+                  <a:schemeClr val="folHlink"/>
+                </a:solidFill>
+                <a:latin typeface="Courier New" panose="02070309020205020404" pitchFamily="49" charset="0"/>
+              </a:rPr>
+              <a:t>(</a:t>
+            </a:r>
+            <a:r>
+              <a:rPr lang="en-US" altLang="zh-CN" sz="2000" b="1" dirty="0" err="1">
+                <a:solidFill>
+                  <a:schemeClr val="folHlink"/>
+                </a:solidFill>
+                <a:latin typeface="Courier New" panose="02070309020205020404" pitchFamily="49" charset="0"/>
+              </a:rPr>
+              <a:t>List_t</a:t>
+            </a:r>
+            <a:r>
+              <a:rPr lang="en-US" altLang="zh-CN" sz="2000" b="1" dirty="0">
+                <a:solidFill>
+                  <a:schemeClr val="folHlink"/>
+                </a:solidFill>
+                <a:latin typeface="Courier New" panose="02070309020205020404" pitchFamily="49" charset="0"/>
+              </a:rPr>
+              <a:t> l, void (*f)(poly)){</a:t>
             </a:r>
           </a:p>
           <a:p>
@@ -5233,13 +5269,13 @@
               <a:buNone/>
             </a:pPr>
             <a:r>
-              <a:rPr lang="en-US" altLang="zh-CN" sz="2000" b="1">
+              <a:rPr lang="en-US" altLang="zh-CN" sz="2000" b="1" dirty="0">
                 <a:solidFill>
                   <a:schemeClr val="folHlink"/>
                 </a:solidFill>
                 <a:latin typeface="Courier New" panose="02070309020205020404" pitchFamily="49" charset="0"/>
               </a:rPr>
-              <a:t>{</a:t>
+              <a:t>	if(l == 0)</a:t>
             </a:r>
           </a:p>
           <a:p>
@@ -5251,13 +5287,13 @@
               <a:buNone/>
             </a:pPr>
             <a:r>
-              <a:rPr lang="en-US" altLang="zh-CN" sz="2000" b="1">
+              <a:rPr lang="en-US" altLang="zh-CN" sz="2000" b="1" dirty="0">
                 <a:solidFill>
                   <a:schemeClr val="folHlink"/>
                 </a:solidFill>
                 <a:latin typeface="Courier New" panose="02070309020205020404" pitchFamily="49" charset="0"/>
               </a:rPr>
-              <a:t>  switch ((int)l) {</a:t>
+              <a:t>		return;</a:t>
             </a:r>
           </a:p>
           <a:p>
@@ -5269,13 +5305,13 @@
               <a:buNone/>
             </a:pPr>
             <a:r>
-              <a:rPr lang="en-US" altLang="zh-CN" sz="2000" b="1">
+              <a:rPr lang="en-US" altLang="zh-CN" sz="2000" b="1" dirty="0">
                 <a:solidFill>
                   <a:schemeClr val="folHlink"/>
                 </a:solidFill>
                 <a:latin typeface="Courier New" panose="02070309020205020404" pitchFamily="49" charset="0"/>
               </a:rPr>
-              <a:t>  case 0:</a:t>
+              <a:t>	</a:t>
             </a:r>
           </a:p>
           <a:p>
@@ -5287,13 +5323,13 @@
               <a:buNone/>
             </a:pPr>
             <a:r>
-              <a:rPr lang="en-US" altLang="zh-CN" sz="2000" b="1">
+              <a:rPr lang="en-US" altLang="zh-CN" sz="2000" b="1" dirty="0">
                 <a:solidFill>
                   <a:schemeClr val="folHlink"/>
                 </a:solidFill>
                 <a:latin typeface="Courier New" panose="02070309020205020404" pitchFamily="49" charset="0"/>
               </a:rPr>
-              <a:t>    return;</a:t>
+              <a:t>	f(l-&gt;data);</a:t>
             </a:r>
           </a:p>
           <a:p>
@@ -5305,13 +5341,31 @@
               <a:buNone/>
             </a:pPr>
             <a:r>
-              <a:rPr lang="en-US" altLang="zh-CN" sz="2000" b="1">
+              <a:rPr lang="en-US" altLang="zh-CN" sz="2000" b="1" dirty="0">
                 <a:solidFill>
                   <a:schemeClr val="folHlink"/>
                 </a:solidFill>
                 <a:latin typeface="Courier New" panose="02070309020205020404" pitchFamily="49" charset="0"/>
               </a:rPr>
-              <a:t>  default:</a:t>
+              <a:t>	</a:t>
+            </a:r>
+            <a:r>
+              <a:rPr lang="en-US" altLang="zh-CN" sz="2000" b="1" dirty="0" err="1">
+                <a:solidFill>
+                  <a:schemeClr val="folHlink"/>
+                </a:solidFill>
+                <a:latin typeface="Courier New" panose="02070309020205020404" pitchFamily="49" charset="0"/>
+              </a:rPr>
+              <a:t>List_foreach</a:t>
+            </a:r>
+            <a:r>
+              <a:rPr lang="en-US" altLang="zh-CN" sz="2000" b="1" dirty="0">
+                <a:solidFill>
+                  <a:schemeClr val="folHlink"/>
+                </a:solidFill>
+                <a:latin typeface="Courier New" panose="02070309020205020404" pitchFamily="49" charset="0"/>
+              </a:rPr>
+              <a:t>(l-&gt;next, f);    </a:t>
             </a:r>
           </a:p>
           <a:p>
@@ -5323,14 +5377,26 @@
               <a:buNone/>
             </a:pPr>
             <a:r>
-              <a:rPr lang="en-US" altLang="zh-CN" sz="2000" b="1">
+              <a:rPr lang="en-US" altLang="zh-CN" sz="2000" b="1" dirty="0">
                 <a:solidFill>
                   <a:schemeClr val="folHlink"/>
                 </a:solidFill>
                 <a:latin typeface="Courier New" panose="02070309020205020404" pitchFamily="49" charset="0"/>
               </a:rPr>
-              <a:t>    f (l-&gt;data);</a:t>
-            </a:r>
+              <a:t>  </a:t>
+            </a:r>
+            <a:r>
+              <a:rPr lang="en-US" altLang="zh-CN" sz="2000" b="1" dirty="0">
+                <a:latin typeface="Courier New" panose="02070309020205020404" pitchFamily="49" charset="0"/>
+              </a:rPr>
+              <a:t>// tail recursion</a:t>
+            </a:r>
+            <a:endParaRPr lang="en-US" altLang="zh-CN" sz="2000" b="1" dirty="0">
+              <a:solidFill>
+                <a:schemeClr val="folHlink"/>
+              </a:solidFill>
+              <a:latin typeface="Courier New" panose="02070309020205020404" pitchFamily="49" charset="0"/>
+            </a:endParaRPr>
           </a:p>
           <a:p>
             <a:pPr>
@@ -5341,13 +5407,13 @@
               <a:buNone/>
             </a:pPr>
             <a:r>
-              <a:rPr lang="en-US" altLang="zh-CN" sz="2000" b="1">
+              <a:rPr lang="en-US" altLang="zh-CN" sz="2000" b="1" dirty="0">
                 <a:solidFill>
                   <a:schemeClr val="folHlink"/>
                 </a:solidFill>
                 <a:latin typeface="Courier New" panose="02070309020205020404" pitchFamily="49" charset="0"/>
               </a:rPr>
-              <a:t>    List_foreach (l-&gt;next, f);    </a:t>
+              <a:t>}</a:t>
             </a:r>
           </a:p>
           <a:p>
@@ -5358,73 +5424,7 @@
               <a:buFont typeface="Wingdings" pitchFamily="2" charset="2"/>
               <a:buNone/>
             </a:pPr>
-            <a:r>
-              <a:rPr lang="en-US" altLang="zh-CN" sz="2000" b="1">
-                <a:solidFill>
-                  <a:schemeClr val="folHlink"/>
-                </a:solidFill>
-                <a:latin typeface="Courier New" panose="02070309020205020404" pitchFamily="49" charset="0"/>
-              </a:rPr>
-              <a:t>    </a:t>
-            </a:r>
-            <a:r>
-              <a:rPr lang="en-US" altLang="zh-CN" sz="2000" b="1">
-                <a:latin typeface="Courier New" panose="02070309020205020404" pitchFamily="49" charset="0"/>
-              </a:rPr>
-              <a:t>// tail recursion</a:t>
-            </a:r>
-          </a:p>
-          <a:p>
-            <a:pPr>
-              <a:lnSpc>
-                <a:spcPct val="90000"/>
-              </a:lnSpc>
-              <a:buFont typeface="Wingdings" pitchFamily="2" charset="2"/>
-              <a:buNone/>
-            </a:pPr>
-            <a:r>
-              <a:rPr lang="en-US" altLang="zh-CN" sz="2000" b="1">
-                <a:latin typeface="Courier New" panose="02070309020205020404" pitchFamily="49" charset="0"/>
-              </a:rPr>
-              <a:t>  </a:t>
-            </a:r>
-            <a:r>
-              <a:rPr lang="en-US" altLang="zh-CN" sz="2000" b="1">
-                <a:solidFill>
-                  <a:schemeClr val="folHlink"/>
-                </a:solidFill>
-                <a:latin typeface="Courier New" panose="02070309020205020404" pitchFamily="49" charset="0"/>
-              </a:rPr>
-              <a:t>}</a:t>
-            </a:r>
-          </a:p>
-          <a:p>
-            <a:pPr>
-              <a:lnSpc>
-                <a:spcPct val="90000"/>
-              </a:lnSpc>
-              <a:buFont typeface="Wingdings" pitchFamily="2" charset="2"/>
-              <a:buNone/>
-            </a:pPr>
-            <a:r>
-              <a:rPr lang="en-US" altLang="zh-CN" sz="2000" b="1">
-                <a:solidFill>
-                  <a:schemeClr val="folHlink"/>
-                </a:solidFill>
-                <a:latin typeface="Courier New" panose="02070309020205020404" pitchFamily="49" charset="0"/>
-              </a:rPr>
-              <a:t>}</a:t>
-            </a:r>
-          </a:p>
-          <a:p>
-            <a:pPr>
-              <a:lnSpc>
-                <a:spcPct val="90000"/>
-              </a:lnSpc>
-              <a:buFont typeface="Wingdings" pitchFamily="2" charset="2"/>
-              <a:buNone/>
-            </a:pPr>
-            <a:endParaRPr lang="en-US" altLang="zh-CN" sz="2000" b="1">
+            <a:endParaRPr lang="en-US" altLang="zh-CN" sz="2000" b="1" dirty="0">
               <a:solidFill>
                 <a:schemeClr val="folHlink"/>
               </a:solidFill>
@@ -6678,13 +6678,49 @@
               <a:buNone/>
             </a:pPr>
             <a:r>
-              <a:rPr lang="en-US" altLang="zh-CN" sz="2000" b="1">
+              <a:rPr lang="en-US" altLang="zh-CN" sz="2000" b="1" dirty="0">
                 <a:solidFill>
                   <a:schemeClr val="folHlink"/>
                 </a:solidFill>
                 <a:latin typeface="Courier New" panose="02070309020205020404" pitchFamily="49" charset="0"/>
               </a:rPr>
-              <a:t>int List_length (List_t l)</a:t>
+              <a:t>int </a:t>
+            </a:r>
+            <a:r>
+              <a:rPr lang="en-US" altLang="zh-CN" sz="2000" b="1" dirty="0" err="1">
+                <a:solidFill>
+                  <a:schemeClr val="folHlink"/>
+                </a:solidFill>
+                <a:latin typeface="Courier New" panose="02070309020205020404" pitchFamily="49" charset="0"/>
+              </a:rPr>
+              <a:t>List_length</a:t>
+            </a:r>
+            <a:r>
+              <a:rPr lang="en-US" altLang="zh-CN" sz="2000" b="1" dirty="0">
+                <a:solidFill>
+                  <a:schemeClr val="folHlink"/>
+                </a:solidFill>
+                <a:latin typeface="Courier New" panose="02070309020205020404" pitchFamily="49" charset="0"/>
+              </a:rPr>
+              <a:t>(</a:t>
+            </a:r>
+            <a:r>
+              <a:rPr lang="en-US" altLang="zh-CN" sz="2000" b="1" dirty="0" err="1">
+                <a:solidFill>
+                  <a:schemeClr val="folHlink"/>
+                </a:solidFill>
+                <a:latin typeface="Courier New" panose="02070309020205020404" pitchFamily="49" charset="0"/>
+              </a:rPr>
+              <a:t>List_t</a:t>
+            </a:r>
+            <a:r>
+              <a:rPr lang="en-US" altLang="zh-CN" sz="2000" b="1" dirty="0">
+                <a:solidFill>
+                  <a:schemeClr val="folHlink"/>
+                </a:solidFill>
+                <a:latin typeface="Courier New" panose="02070309020205020404" pitchFamily="49" charset="0"/>
+              </a:rPr>
+              <a:t> l){</a:t>
             </a:r>
           </a:p>
           <a:p>
@@ -6696,13 +6732,13 @@
               <a:buNone/>
             </a:pPr>
             <a:r>
-              <a:rPr lang="en-US" altLang="zh-CN" sz="2000" b="1">
+              <a:rPr lang="en-US" altLang="zh-CN" sz="2000" b="1" dirty="0">
                 <a:solidFill>
                   <a:schemeClr val="folHlink"/>
                 </a:solidFill>
                 <a:latin typeface="Courier New" panose="02070309020205020404" pitchFamily="49" charset="0"/>
               </a:rPr>
-              <a:t>{</a:t>
+              <a:t>  if(l==0)</a:t>
             </a:r>
           </a:p>
           <a:p>
@@ -6714,13 +6750,13 @@
               <a:buNone/>
             </a:pPr>
             <a:r>
-              <a:rPr lang="en-US" altLang="zh-CN" sz="2000" b="1">
+              <a:rPr lang="en-US" altLang="zh-CN" sz="2000" b="1" dirty="0">
                 <a:solidFill>
                   <a:schemeClr val="folHlink"/>
                 </a:solidFill>
                 <a:latin typeface="Courier New" panose="02070309020205020404" pitchFamily="49" charset="0"/>
               </a:rPr>
-              <a:t>  switch((int)l) {</a:t>
+              <a:t>		return 0;</a:t>
             </a:r>
           </a:p>
           <a:p>
@@ -6732,13 +6768,31 @@
               <a:buNone/>
             </a:pPr>
             <a:r>
-              <a:rPr lang="en-US" altLang="zh-CN" sz="2000" b="1">
+              <a:rPr lang="en-US" altLang="zh-CN" sz="2000" b="1" dirty="0">
                 <a:solidFill>
                   <a:schemeClr val="folHlink"/>
                 </a:solidFill>
                 <a:latin typeface="Courier New" panose="02070309020205020404" pitchFamily="49" charset="0"/>
               </a:rPr>
-              <a:t>  case 0:</a:t>
+              <a:t>	return 1 + </a:t>
+            </a:r>
+            <a:r>
+              <a:rPr lang="en-US" altLang="zh-CN" sz="2000" b="1" dirty="0" err="1">
+                <a:solidFill>
+                  <a:schemeClr val="folHlink"/>
+                </a:solidFill>
+                <a:latin typeface="Courier New" panose="02070309020205020404" pitchFamily="49" charset="0"/>
+              </a:rPr>
+              <a:t>List_length</a:t>
+            </a:r>
+            <a:r>
+              <a:rPr lang="en-US" altLang="zh-CN" sz="2000" b="1" dirty="0">
+                <a:solidFill>
+                  <a:schemeClr val="folHlink"/>
+                </a:solidFill>
+                <a:latin typeface="Courier New" panose="02070309020205020404" pitchFamily="49" charset="0"/>
+              </a:rPr>
+              <a:t>(l-&gt;next);</a:t>
             </a:r>
           </a:p>
           <a:p>
@@ -6750,13 +6804,13 @@
               <a:buNone/>
             </a:pPr>
             <a:r>
-              <a:rPr lang="en-US" altLang="zh-CN" sz="2000" b="1">
+              <a:rPr lang="en-US" altLang="zh-CN" sz="2000" b="1" dirty="0">
                 <a:solidFill>
                   <a:schemeClr val="folHlink"/>
                 </a:solidFill>
                 <a:latin typeface="Courier New" panose="02070309020205020404" pitchFamily="49" charset="0"/>
               </a:rPr>
-              <a:t>    return 0;</a:t>
+              <a:t>}</a:t>
             </a:r>
           </a:p>
           <a:p>
@@ -6767,61 +6821,7 @@
               <a:buFont typeface="Wingdings" pitchFamily="2" charset="2"/>
               <a:buNone/>
             </a:pPr>
-            <a:r>
-              <a:rPr lang="en-US" altLang="zh-CN" sz="2000" b="1">
-                <a:solidFill>
-                  <a:schemeClr val="folHlink"/>
-                </a:solidFill>
-                <a:latin typeface="Courier New" panose="02070309020205020404" pitchFamily="49" charset="0"/>
-              </a:rPr>
-              <a:t>  default:</a:t>
-            </a:r>
-          </a:p>
-          <a:p>
-            <a:pPr>
-              <a:lnSpc>
-                <a:spcPct val="90000"/>
-              </a:lnSpc>
-              <a:buFont typeface="Wingdings" pitchFamily="2" charset="2"/>
-              <a:buNone/>
-            </a:pPr>
-            <a:r>
-              <a:rPr lang="en-US" altLang="zh-CN" sz="2000" b="1">
-                <a:solidFill>
-                  <a:schemeClr val="folHlink"/>
-                </a:solidFill>
-                <a:latin typeface="Courier New" panose="02070309020205020404" pitchFamily="49" charset="0"/>
-              </a:rPr>
-              <a:t>    return 1 + List_length (l-&gt;next);</a:t>
-            </a:r>
-          </a:p>
-          <a:p>
-            <a:pPr>
-              <a:lnSpc>
-                <a:spcPct val="90000"/>
-              </a:lnSpc>
-              <a:buFont typeface="Wingdings" pitchFamily="2" charset="2"/>
-              <a:buNone/>
-            </a:pPr>
-            <a:r>
-              <a:rPr lang="en-US" altLang="zh-CN" sz="2000" b="1">
-                <a:solidFill>
-                  <a:schemeClr val="folHlink"/>
-                </a:solidFill>
-                <a:latin typeface="Courier New" panose="02070309020205020404" pitchFamily="49" charset="0"/>
-              </a:rPr>
-              <a:t>}</a:t>
-            </a:r>
-          </a:p>
-          <a:p>
-            <a:pPr>
-              <a:lnSpc>
-                <a:spcPct val="90000"/>
-              </a:lnSpc>
-              <a:buFont typeface="Wingdings" pitchFamily="2" charset="2"/>
-              <a:buNone/>
-            </a:pPr>
-            <a:endParaRPr lang="en-US" altLang="zh-CN" sz="2000" b="1">
+            <a:endParaRPr lang="en-US" altLang="zh-CN" sz="2000" b="1" dirty="0">
               <a:solidFill>
                 <a:schemeClr val="folHlink"/>
               </a:solidFill>
@@ -9147,13 +9147,49 @@
               <a:buNone/>
             </a:pPr>
             <a:r>
-              <a:rPr lang="en-US" altLang="zh-CN" sz="2000" b="1">
+              <a:rPr lang="en-US" altLang="zh-CN" sz="2000" b="1" dirty="0">
                 <a:solidFill>
                   <a:schemeClr val="folHlink"/>
                 </a:solidFill>
                 <a:latin typeface="Courier New" panose="02070309020205020404" pitchFamily="49" charset="0"/>
               </a:rPr>
-              <a:t>poly List_nth (List_t l, int n)</a:t>
+              <a:t>poly </a:t>
+            </a:r>
+            <a:r>
+              <a:rPr lang="en-US" altLang="zh-CN" sz="2000" b="1" dirty="0" err="1">
+                <a:solidFill>
+                  <a:schemeClr val="folHlink"/>
+                </a:solidFill>
+                <a:latin typeface="Courier New" panose="02070309020205020404" pitchFamily="49" charset="0"/>
+              </a:rPr>
+              <a:t>List_nth</a:t>
+            </a:r>
+            <a:r>
+              <a:rPr lang="en-US" altLang="zh-CN" sz="2000" b="1" dirty="0">
+                <a:solidFill>
+                  <a:schemeClr val="folHlink"/>
+                </a:solidFill>
+                <a:latin typeface="Courier New" panose="02070309020205020404" pitchFamily="49" charset="0"/>
+              </a:rPr>
+              <a:t>(</a:t>
+            </a:r>
+            <a:r>
+              <a:rPr lang="en-US" altLang="zh-CN" sz="2000" b="1" dirty="0" err="1">
+                <a:solidFill>
+                  <a:schemeClr val="folHlink"/>
+                </a:solidFill>
+                <a:latin typeface="Courier New" panose="02070309020205020404" pitchFamily="49" charset="0"/>
+              </a:rPr>
+              <a:t>List_t</a:t>
+            </a:r>
+            <a:r>
+              <a:rPr lang="en-US" altLang="zh-CN" sz="2000" b="1" dirty="0">
+                <a:solidFill>
+                  <a:schemeClr val="folHlink"/>
+                </a:solidFill>
+                <a:latin typeface="Courier New" panose="02070309020205020404" pitchFamily="49" charset="0"/>
+              </a:rPr>
+              <a:t> l, int n){</a:t>
             </a:r>
           </a:p>
           <a:p>
@@ -9162,13 +9198,13 @@
               <a:buNone/>
             </a:pPr>
             <a:r>
-              <a:rPr lang="en-US" altLang="zh-CN" sz="2000" b="1">
+              <a:rPr lang="en-US" altLang="zh-CN" sz="2000" b="1" dirty="0">
                 <a:solidFill>
                   <a:schemeClr val="folHlink"/>
                 </a:solidFill>
                 <a:latin typeface="Courier New" panose="02070309020205020404" pitchFamily="49" charset="0"/>
               </a:rPr>
-              <a:t>{</a:t>
+              <a:t>  if(l == 0)</a:t>
             </a:r>
           </a:p>
           <a:p>
@@ -9177,13 +9213,13 @@
               <a:buNone/>
             </a:pPr>
             <a:r>
-              <a:rPr lang="en-US" altLang="zh-CN" sz="2000" b="1">
+              <a:rPr lang="en-US" altLang="zh-CN" sz="2000" b="1" dirty="0">
                 <a:solidFill>
                   <a:schemeClr val="folHlink"/>
                 </a:solidFill>
                 <a:latin typeface="Courier New" panose="02070309020205020404" pitchFamily="49" charset="0"/>
               </a:rPr>
-              <a:t>  switch ((int)l) {</a:t>
+              <a:t>		error(“empty list”);</a:t>
             </a:r>
           </a:p>
           <a:p>
@@ -9192,13 +9228,13 @@
               <a:buNone/>
             </a:pPr>
             <a:r>
-              <a:rPr lang="en-US" altLang="zh-CN" sz="2000" b="1">
+              <a:rPr lang="en-US" altLang="zh-CN" sz="2000" b="1" dirty="0">
                 <a:solidFill>
                   <a:schemeClr val="folHlink"/>
                 </a:solidFill>
                 <a:latin typeface="Courier New" panose="02070309020205020404" pitchFamily="49" charset="0"/>
               </a:rPr>
-              <a:t>  case 0:</a:t>
+              <a:t>	if(0==n)</a:t>
             </a:r>
           </a:p>
           <a:p>
@@ -9207,13 +9243,13 @@
               <a:buNone/>
             </a:pPr>
             <a:r>
-              <a:rPr lang="en-US" altLang="zh-CN" sz="2000" b="1">
+              <a:rPr lang="en-US" altLang="zh-CN" sz="2000" b="1" dirty="0">
                 <a:solidFill>
                   <a:schemeClr val="folHlink"/>
                 </a:solidFill>
                 <a:latin typeface="Courier New" panose="02070309020205020404" pitchFamily="49" charset="0"/>
               </a:rPr>
-              <a:t>    error (“empty list”);</a:t>
+              <a:t>      return l-&gt;data;</a:t>
             </a:r>
           </a:p>
           <a:p>
@@ -9222,13 +9258,31 @@
               <a:buNone/>
             </a:pPr>
             <a:r>
-              <a:rPr lang="en-US" altLang="zh-CN" sz="2000" b="1">
+              <a:rPr lang="en-US" altLang="zh-CN" sz="2000" b="1" dirty="0">
                 <a:solidFill>
                   <a:schemeClr val="folHlink"/>
                 </a:solidFill>
                 <a:latin typeface="Courier New" panose="02070309020205020404" pitchFamily="49" charset="0"/>
               </a:rPr>
-              <a:t>  default:</a:t>
+              <a:t>	return </a:t>
+            </a:r>
+            <a:r>
+              <a:rPr lang="en-US" altLang="zh-CN" sz="2000" b="1" dirty="0" err="1">
+                <a:solidFill>
+                  <a:schemeClr val="folHlink"/>
+                </a:solidFill>
+                <a:latin typeface="Courier New" panose="02070309020205020404" pitchFamily="49" charset="0"/>
+              </a:rPr>
+              <a:t>List_nth</a:t>
+            </a:r>
+            <a:r>
+              <a:rPr lang="en-US" altLang="zh-CN" sz="2000" b="1" dirty="0">
+                <a:solidFill>
+                  <a:schemeClr val="folHlink"/>
+                </a:solidFill>
+                <a:latin typeface="Courier New" panose="02070309020205020404" pitchFamily="49" charset="0"/>
+              </a:rPr>
+              <a:t>(l-&gt;next, n-1);</a:t>
             </a:r>
           </a:p>
           <a:p>
@@ -9237,67 +9291,7 @@
               <a:buNone/>
             </a:pPr>
             <a:r>
-              <a:rPr lang="en-US" altLang="zh-CN" sz="2000" b="1">
-                <a:solidFill>
-                  <a:schemeClr val="folHlink"/>
-                </a:solidFill>
-                <a:latin typeface="Courier New" panose="02070309020205020404" pitchFamily="49" charset="0"/>
-              </a:rPr>
-              <a:t>    if (0==n)</a:t>
-            </a:r>
-          </a:p>
-          <a:p>
-            <a:pPr>
-              <a:buFont typeface="Wingdings" pitchFamily="2" charset="2"/>
-              <a:buNone/>
-            </a:pPr>
-            <a:r>
-              <a:rPr lang="en-US" altLang="zh-CN" sz="2000" b="1">
-                <a:solidFill>
-                  <a:schemeClr val="folHlink"/>
-                </a:solidFill>
-                <a:latin typeface="Courier New" panose="02070309020205020404" pitchFamily="49" charset="0"/>
-              </a:rPr>
-              <a:t>      return l-&gt;data;</a:t>
-            </a:r>
-          </a:p>
-          <a:p>
-            <a:pPr>
-              <a:buFont typeface="Wingdings" pitchFamily="2" charset="2"/>
-              <a:buNone/>
-            </a:pPr>
-            <a:r>
-              <a:rPr lang="en-US" altLang="zh-CN" sz="2000" b="1">
-                <a:solidFill>
-                  <a:schemeClr val="folHlink"/>
-                </a:solidFill>
-                <a:latin typeface="Courier New" panose="02070309020205020404" pitchFamily="49" charset="0"/>
-              </a:rPr>
-              <a:t>    else return List_nth (l-&gt;next, n-1);</a:t>
-            </a:r>
-          </a:p>
-          <a:p>
-            <a:pPr>
-              <a:buFont typeface="Wingdings" pitchFamily="2" charset="2"/>
-              <a:buNone/>
-            </a:pPr>
-            <a:r>
-              <a:rPr lang="en-US" altLang="zh-CN" sz="2000" b="1">
-                <a:solidFill>
-                  <a:schemeClr val="folHlink"/>
-                </a:solidFill>
-                <a:latin typeface="Courier New" panose="02070309020205020404" pitchFamily="49" charset="0"/>
-              </a:rPr>
-              <a:t>  }</a:t>
-            </a:r>
-          </a:p>
-          <a:p>
-            <a:pPr>
-              <a:buFont typeface="Wingdings" pitchFamily="2" charset="2"/>
-              <a:buNone/>
-            </a:pPr>
-            <a:r>
-              <a:rPr lang="en-US" altLang="zh-CN" sz="2000" b="1">
+              <a:rPr lang="en-US" altLang="zh-CN" sz="2000" b="1" dirty="0">
                 <a:solidFill>
                   <a:schemeClr val="folHlink"/>
                 </a:solidFill>
@@ -11628,13 +11622,58 @@
               <a:buNone/>
             </a:pPr>
             <a:r>
-              <a:rPr lang="en-US" altLang="zh-CN" sz="2000" b="1">
+              <a:rPr lang="en-US" altLang="zh-CN" sz="2000" b="1" dirty="0" err="1">
                 <a:solidFill>
                   <a:schemeClr val="folHlink"/>
                 </a:solidFill>
                 <a:latin typeface="Courier New" panose="02070309020205020404" pitchFamily="49" charset="0"/>
               </a:rPr>
-              <a:t>List_t List_delete (List_t l, int n)</a:t>
+              <a:t>List_t</a:t>
+            </a:r>
+            <a:r>
+              <a:rPr lang="en-US" altLang="zh-CN" sz="2000" b="1" dirty="0">
+                <a:solidFill>
+                  <a:schemeClr val="folHlink"/>
+                </a:solidFill>
+                <a:latin typeface="Courier New" panose="02070309020205020404" pitchFamily="49" charset="0"/>
+              </a:rPr>
+              <a:t> </a:t>
+            </a:r>
+            <a:r>
+              <a:rPr lang="en-US" altLang="zh-CN" sz="2000" b="1" dirty="0" err="1">
+                <a:solidFill>
+                  <a:schemeClr val="folHlink"/>
+                </a:solidFill>
+                <a:latin typeface="Courier New" panose="02070309020205020404" pitchFamily="49" charset="0"/>
+              </a:rPr>
+              <a:t>List_delete</a:t>
+            </a:r>
+            <a:r>
+              <a:rPr lang="en-US" altLang="zh-CN" sz="2000" b="1" dirty="0">
+                <a:solidFill>
+                  <a:schemeClr val="folHlink"/>
+                </a:solidFill>
+                <a:latin typeface="Courier New" panose="02070309020205020404" pitchFamily="49" charset="0"/>
+              </a:rPr>
+              <a:t>(</a:t>
+            </a:r>
+            <a:r>
+              <a:rPr lang="en-US" altLang="zh-CN" sz="2000" b="1" dirty="0" err="1">
+                <a:solidFill>
+                  <a:schemeClr val="folHlink"/>
+                </a:solidFill>
+                <a:latin typeface="Courier New" panose="02070309020205020404" pitchFamily="49" charset="0"/>
+              </a:rPr>
+              <a:t>List_t</a:t>
+            </a:r>
+            <a:r>
+              <a:rPr lang="en-US" altLang="zh-CN" sz="2000" b="1" dirty="0">
+                <a:solidFill>
+                  <a:schemeClr val="folHlink"/>
+                </a:solidFill>
+                <a:latin typeface="Courier New" panose="02070309020205020404" pitchFamily="49" charset="0"/>
+              </a:rPr>
+              <a:t> l, int n){</a:t>
             </a:r>
           </a:p>
           <a:p>
@@ -11646,13 +11685,13 @@
               <a:buNone/>
             </a:pPr>
             <a:r>
-              <a:rPr lang="en-US" altLang="zh-CN" sz="2000" b="1">
+              <a:rPr lang="en-US" altLang="zh-CN" sz="2000" b="1" dirty="0">
                 <a:solidFill>
                   <a:schemeClr val="folHlink"/>
                 </a:solidFill>
                 <a:latin typeface="Courier New" panose="02070309020205020404" pitchFamily="49" charset="0"/>
               </a:rPr>
-              <a:t>{</a:t>
+              <a:t>	if(0==l || n&lt;0)</a:t>
             </a:r>
           </a:p>
           <a:p>
@@ -11664,13 +11703,13 @@
               <a:buNone/>
             </a:pPr>
             <a:r>
-              <a:rPr lang="en-US" altLang="zh-CN" sz="2000" b="1">
+              <a:rPr lang="en-US" altLang="zh-CN" sz="2000" b="1" dirty="0">
                 <a:solidFill>
                   <a:schemeClr val="folHlink"/>
                 </a:solidFill>
                 <a:latin typeface="Courier New" panose="02070309020205020404" pitchFamily="49" charset="0"/>
               </a:rPr>
-              <a:t>  if (0==l || n&lt;0)</a:t>
+              <a:t>		error(“…”);</a:t>
             </a:r>
           </a:p>
           <a:p>
@@ -11681,15 +11720,12 @@
               <a:buFont typeface="Wingdings" pitchFamily="2" charset="2"/>
               <a:buNone/>
             </a:pPr>
-            <a:r>
-              <a:rPr lang="en-US" altLang="zh-CN" sz="2000" b="1">
-                <a:solidFill>
-                  <a:schemeClr val="folHlink"/>
-                </a:solidFill>
-                <a:latin typeface="Courier New" panose="02070309020205020404" pitchFamily="49" charset="0"/>
-              </a:rPr>
-              <a:t>    error (“…”);</a:t>
-            </a:r>
+            <a:endParaRPr lang="en-US" altLang="zh-CN" sz="2000" b="1" dirty="0">
+              <a:solidFill>
+                <a:schemeClr val="folHlink"/>
+              </a:solidFill>
+              <a:latin typeface="Courier New" panose="02070309020205020404" pitchFamily="49" charset="0"/>
+            </a:endParaRPr>
           </a:p>
           <a:p>
             <a:pPr>
@@ -11699,12 +11735,15 @@
               <a:buFont typeface="Wingdings" pitchFamily="2" charset="2"/>
               <a:buNone/>
             </a:pPr>
-            <a:endParaRPr lang="en-US" altLang="zh-CN" sz="2000" b="1">
-              <a:solidFill>
-                <a:schemeClr val="folHlink"/>
-              </a:solidFill>
-              <a:latin typeface="Courier New" panose="02070309020205020404" pitchFamily="49" charset="0"/>
-            </a:endParaRPr>
+            <a:r>
+              <a:rPr lang="en-US" altLang="zh-CN" sz="2000" b="1" dirty="0">
+                <a:solidFill>
+                  <a:schemeClr val="folHlink"/>
+                </a:solidFill>
+                <a:latin typeface="Courier New" panose="02070309020205020404" pitchFamily="49" charset="0"/>
+              </a:rPr>
+              <a:t>	if(0==n)</a:t>
+            </a:r>
           </a:p>
           <a:p>
             <a:pPr>
@@ -11715,13 +11754,13 @@
               <a:buNone/>
             </a:pPr>
             <a:r>
-              <a:rPr lang="en-US" altLang="zh-CN" sz="2000" b="1">
+              <a:rPr lang="en-US" altLang="zh-CN" sz="2000" b="1" dirty="0">
                 <a:solidFill>
                   <a:schemeClr val="folHlink"/>
                 </a:solidFill>
                 <a:latin typeface="Courier New" panose="02070309020205020404" pitchFamily="49" charset="0"/>
               </a:rPr>
-              <a:t>  if (0==n)</a:t>
+              <a:t>		return l-&gt;next;</a:t>
             </a:r>
           </a:p>
           <a:p>
@@ -11733,13 +11772,31 @@
               <a:buNone/>
             </a:pPr>
             <a:r>
-              <a:rPr lang="en-US" altLang="zh-CN" sz="2000" b="1">
+              <a:rPr lang="en-US" altLang="zh-CN" sz="2000" b="1" dirty="0">
                 <a:solidFill>
                   <a:schemeClr val="folHlink"/>
                 </a:solidFill>
                 <a:latin typeface="Courier New" panose="02070309020205020404" pitchFamily="49" charset="0"/>
               </a:rPr>
-              <a:t>    return l-&gt;next;</a:t>
+              <a:t>  return </a:t>
+            </a:r>
+            <a:r>
+              <a:rPr lang="en-US" altLang="zh-CN" sz="2000" b="1" dirty="0" err="1">
+                <a:solidFill>
+                  <a:schemeClr val="folHlink"/>
+                </a:solidFill>
+                <a:latin typeface="Courier New" panose="02070309020205020404" pitchFamily="49" charset="0"/>
+              </a:rPr>
+              <a:t>List_concat</a:t>
+            </a:r>
+            <a:r>
+              <a:rPr lang="en-US" altLang="zh-CN" sz="2000" b="1" dirty="0">
+                <a:solidFill>
+                  <a:schemeClr val="folHlink"/>
+                </a:solidFill>
+                <a:latin typeface="Courier New" panose="02070309020205020404" pitchFamily="49" charset="0"/>
+              </a:rPr>
+              <a:t>(l-&gt;data,</a:t>
             </a:r>
           </a:p>
           <a:p>
@@ -11751,13 +11808,31 @@
               <a:buNone/>
             </a:pPr>
             <a:r>
-              <a:rPr lang="en-US" altLang="zh-CN" sz="2000" b="1">
+              <a:rPr lang="en-US" altLang="zh-CN" sz="2000" b="1" dirty="0">
                 <a:solidFill>
                   <a:schemeClr val="folHlink"/>
                 </a:solidFill>
                 <a:latin typeface="Courier New" panose="02070309020205020404" pitchFamily="49" charset="0"/>
               </a:rPr>
-              <a:t>  return List_concat (l-&gt;data,</a:t>
+              <a:t>                      </a:t>
+            </a:r>
+            <a:r>
+              <a:rPr lang="en-US" altLang="zh-CN" sz="2000" b="1" dirty="0" err="1">
+                <a:solidFill>
+                  <a:schemeClr val="folHlink"/>
+                </a:solidFill>
+                <a:latin typeface="Courier New" panose="02070309020205020404" pitchFamily="49" charset="0"/>
+              </a:rPr>
+              <a:t>List_delete</a:t>
+            </a:r>
+            <a:r>
+              <a:rPr lang="en-US" altLang="zh-CN" sz="2000" b="1" dirty="0">
+                <a:solidFill>
+                  <a:schemeClr val="folHlink"/>
+                </a:solidFill>
+                <a:latin typeface="Courier New" panose="02070309020205020404" pitchFamily="49" charset="0"/>
+              </a:rPr>
+              <a:t>(l-&gt;next, n-1));</a:t>
             </a:r>
           </a:p>
           <a:p>
@@ -11769,13 +11844,13 @@
               <a:buNone/>
             </a:pPr>
             <a:r>
-              <a:rPr lang="en-US" altLang="zh-CN" sz="2000" b="1">
+              <a:rPr lang="en-US" altLang="zh-CN" sz="2000" b="1" dirty="0">
                 <a:solidFill>
                   <a:schemeClr val="folHlink"/>
                 </a:solidFill>
                 <a:latin typeface="Courier New" panose="02070309020205020404" pitchFamily="49" charset="0"/>
               </a:rPr>
-              <a:t>                      List_delete (l-&gt;next, n-1));</a:t>
+              <a:t>}</a:t>
             </a:r>
           </a:p>
           <a:p>
@@ -11786,25 +11861,7 @@
               <a:buFont typeface="Wingdings" pitchFamily="2" charset="2"/>
               <a:buNone/>
             </a:pPr>
-            <a:r>
-              <a:rPr lang="en-US" altLang="zh-CN" sz="2000" b="1">
-                <a:solidFill>
-                  <a:schemeClr val="folHlink"/>
-                </a:solidFill>
-                <a:latin typeface="Courier New" panose="02070309020205020404" pitchFamily="49" charset="0"/>
-              </a:rPr>
-              <a:t>}</a:t>
-            </a:r>
-          </a:p>
-          <a:p>
-            <a:pPr>
-              <a:lnSpc>
-                <a:spcPct val="90000"/>
-              </a:lnSpc>
-              <a:buFont typeface="Wingdings" pitchFamily="2" charset="2"/>
-              <a:buNone/>
-            </a:pPr>
-            <a:endParaRPr lang="en-US" altLang="zh-CN" sz="2000" b="1">
+            <a:endParaRPr lang="en-US" altLang="zh-CN" sz="2000" b="1" dirty="0">
               <a:solidFill>
                 <a:schemeClr val="folHlink"/>
               </a:solidFill>
@@ -13135,13 +13192,58 @@
               <a:buNone/>
             </a:pPr>
             <a:r>
-              <a:rPr lang="en-US" altLang="zh-CN" sz="2000" b="1">
+              <a:rPr lang="en-US" altLang="zh-CN" sz="2000" b="1" dirty="0" err="1">
                 <a:solidFill>
                   <a:schemeClr val="folHlink"/>
                 </a:solidFill>
                 <a:latin typeface="Courier New" panose="02070309020205020404" pitchFamily="49" charset="0"/>
               </a:rPr>
-              <a:t>List_t List_insert (List_t l, poly x, int n)</a:t>
+              <a:t>List_t</a:t>
+            </a:r>
+            <a:r>
+              <a:rPr lang="en-US" altLang="zh-CN" sz="2000" b="1" dirty="0">
+                <a:solidFill>
+                  <a:schemeClr val="folHlink"/>
+                </a:solidFill>
+                <a:latin typeface="Courier New" panose="02070309020205020404" pitchFamily="49" charset="0"/>
+              </a:rPr>
+              <a:t> </a:t>
+            </a:r>
+            <a:r>
+              <a:rPr lang="en-US" altLang="zh-CN" sz="2000" b="1" dirty="0" err="1">
+                <a:solidFill>
+                  <a:schemeClr val="folHlink"/>
+                </a:solidFill>
+                <a:latin typeface="Courier New" panose="02070309020205020404" pitchFamily="49" charset="0"/>
+              </a:rPr>
+              <a:t>List_insert</a:t>
+            </a:r>
+            <a:r>
+              <a:rPr lang="en-US" altLang="zh-CN" sz="2000" b="1" dirty="0">
+                <a:solidFill>
+                  <a:schemeClr val="folHlink"/>
+                </a:solidFill>
+                <a:latin typeface="Courier New" panose="02070309020205020404" pitchFamily="49" charset="0"/>
+              </a:rPr>
+              <a:t>(</a:t>
+            </a:r>
+            <a:r>
+              <a:rPr lang="en-US" altLang="zh-CN" sz="2000" b="1" dirty="0" err="1">
+                <a:solidFill>
+                  <a:schemeClr val="folHlink"/>
+                </a:solidFill>
+                <a:latin typeface="Courier New" panose="02070309020205020404" pitchFamily="49" charset="0"/>
+              </a:rPr>
+              <a:t>List_t</a:t>
+            </a:r>
+            <a:r>
+              <a:rPr lang="en-US" altLang="zh-CN" sz="2000" b="1" dirty="0">
+                <a:solidFill>
+                  <a:schemeClr val="folHlink"/>
+                </a:solidFill>
+                <a:latin typeface="Courier New" panose="02070309020205020404" pitchFamily="49" charset="0"/>
+              </a:rPr>
+              <a:t> l, poly x, int n){</a:t>
             </a:r>
           </a:p>
           <a:p>
@@ -13153,13 +13255,13 @@
               <a:buNone/>
             </a:pPr>
             <a:r>
-              <a:rPr lang="en-US" altLang="zh-CN" sz="2000" b="1">
+              <a:rPr lang="en-US" altLang="zh-CN" sz="2000" b="1" dirty="0">
                 <a:solidFill>
                   <a:schemeClr val="folHlink"/>
                 </a:solidFill>
                 <a:latin typeface="Courier New" panose="02070309020205020404" pitchFamily="49" charset="0"/>
               </a:rPr>
-              <a:t>{</a:t>
+              <a:t>  if(0==n)</a:t>
             </a:r>
           </a:p>
           <a:p>
@@ -13171,13 +13273,31 @@
               <a:buNone/>
             </a:pPr>
             <a:r>
-              <a:rPr lang="en-US" altLang="zh-CN" sz="2000" b="1">
+              <a:rPr lang="en-US" altLang="zh-CN" sz="2000" b="1" dirty="0">
                 <a:solidFill>
                   <a:schemeClr val="folHlink"/>
                 </a:solidFill>
                 <a:latin typeface="Courier New" panose="02070309020205020404" pitchFamily="49" charset="0"/>
               </a:rPr>
-              <a:t>  if (0==n)</a:t>
+              <a:t>    return </a:t>
+            </a:r>
+            <a:r>
+              <a:rPr lang="en-US" altLang="zh-CN" sz="2000" b="1" dirty="0" err="1">
+                <a:solidFill>
+                  <a:schemeClr val="folHlink"/>
+                </a:solidFill>
+                <a:latin typeface="Courier New" panose="02070309020205020404" pitchFamily="49" charset="0"/>
+              </a:rPr>
+              <a:t>List_concat</a:t>
+            </a:r>
+            <a:r>
+              <a:rPr lang="en-US" altLang="zh-CN" sz="2000" b="1" dirty="0">
+                <a:solidFill>
+                  <a:schemeClr val="folHlink"/>
+                </a:solidFill>
+                <a:latin typeface="Courier New" panose="02070309020205020404" pitchFamily="49" charset="0"/>
+              </a:rPr>
+              <a:t>(x, l);</a:t>
             </a:r>
           </a:p>
           <a:p>
@@ -13189,13 +13309,13 @@
               <a:buNone/>
             </a:pPr>
             <a:r>
-              <a:rPr lang="en-US" altLang="zh-CN" sz="2000" b="1">
+              <a:rPr lang="en-US" altLang="zh-CN" sz="2000" b="1" dirty="0">
                 <a:solidFill>
                   <a:schemeClr val="folHlink"/>
                 </a:solidFill>
                 <a:latin typeface="Courier New" panose="02070309020205020404" pitchFamily="49" charset="0"/>
               </a:rPr>
-              <a:t>    return List_concat(x, l);</a:t>
+              <a:t>  if(0==l)</a:t>
             </a:r>
           </a:p>
           <a:p>
@@ -13213,8 +13333,14 @@
                 </a:solidFill>
                 <a:latin typeface="Courier New" panose="02070309020205020404" pitchFamily="49" charset="0"/>
               </a:rPr>
-              <a:t>  if (0==l)</a:t>
-            </a:r>
+              <a:t>    error(“…”);</a:t>
+            </a:r>
+            <a:endParaRPr lang="en-US" altLang="zh-CN" sz="2000" b="1" dirty="0">
+              <a:solidFill>
+                <a:schemeClr val="folHlink"/>
+              </a:solidFill>
+              <a:latin typeface="Courier New" panose="02070309020205020404" pitchFamily="49" charset="0"/>
+            </a:endParaRPr>
           </a:p>
           <a:p>
             <a:pPr>
@@ -13225,13 +13351,31 @@
               <a:buNone/>
             </a:pPr>
             <a:r>
-              <a:rPr lang="en-US" altLang="zh-CN" sz="2000" b="1">
+              <a:rPr lang="en-US" altLang="zh-CN" sz="2000" b="1" dirty="0">
                 <a:solidFill>
                   <a:schemeClr val="folHlink"/>
                 </a:solidFill>
                 <a:latin typeface="Courier New" panose="02070309020205020404" pitchFamily="49" charset="0"/>
               </a:rPr>
-              <a:t>    error (“…”);</a:t>
+              <a:t>  return </a:t>
+            </a:r>
+            <a:r>
+              <a:rPr lang="en-US" altLang="zh-CN" sz="2000" b="1" dirty="0" err="1">
+                <a:solidFill>
+                  <a:schemeClr val="folHlink"/>
+                </a:solidFill>
+                <a:latin typeface="Courier New" panose="02070309020205020404" pitchFamily="49" charset="0"/>
+              </a:rPr>
+              <a:t>List_concat</a:t>
+            </a:r>
+            <a:r>
+              <a:rPr lang="en-US" altLang="zh-CN" sz="2000" b="1" dirty="0">
+                <a:solidFill>
+                  <a:schemeClr val="folHlink"/>
+                </a:solidFill>
+                <a:latin typeface="Courier New" panose="02070309020205020404" pitchFamily="49" charset="0"/>
+              </a:rPr>
+              <a:t>(l-&gt;data,</a:t>
             </a:r>
           </a:p>
           <a:p>
@@ -13243,13 +13387,31 @@
               <a:buNone/>
             </a:pPr>
             <a:r>
-              <a:rPr lang="en-US" altLang="zh-CN" sz="2000" b="1">
+              <a:rPr lang="en-US" altLang="zh-CN" sz="2000" b="1" dirty="0">
                 <a:solidFill>
                   <a:schemeClr val="folHlink"/>
                 </a:solidFill>
                 <a:latin typeface="Courier New" panose="02070309020205020404" pitchFamily="49" charset="0"/>
               </a:rPr>
-              <a:t>  return List_concat(l-&gt;data,</a:t>
+              <a:t>                     </a:t>
+            </a:r>
+            <a:r>
+              <a:rPr lang="en-US" altLang="zh-CN" sz="2000" b="1" dirty="0" err="1">
+                <a:solidFill>
+                  <a:schemeClr val="folHlink"/>
+                </a:solidFill>
+                <a:latin typeface="Courier New" panose="02070309020205020404" pitchFamily="49" charset="0"/>
+              </a:rPr>
+              <a:t>List_insert</a:t>
+            </a:r>
+            <a:r>
+              <a:rPr lang="en-US" altLang="zh-CN" sz="2000" b="1" dirty="0">
+                <a:solidFill>
+                  <a:schemeClr val="folHlink"/>
+                </a:solidFill>
+                <a:latin typeface="Courier New" panose="02070309020205020404" pitchFamily="49" charset="0"/>
+              </a:rPr>
+              <a:t>(l-&gt;next, x, n-1);</a:t>
             </a:r>
           </a:p>
           <a:p>
@@ -13261,25 +13423,7 @@
               <a:buNone/>
             </a:pPr>
             <a:r>
-              <a:rPr lang="en-US" altLang="zh-CN" sz="2000" b="1">
-                <a:solidFill>
-                  <a:schemeClr val="folHlink"/>
-                </a:solidFill>
-                <a:latin typeface="Courier New" panose="02070309020205020404" pitchFamily="49" charset="0"/>
-              </a:rPr>
-              <a:t>                     List_insert(l-&gt;next, x, n-1);</a:t>
-            </a:r>
-          </a:p>
-          <a:p>
-            <a:pPr>
-              <a:lnSpc>
-                <a:spcPct val="80000"/>
-              </a:lnSpc>
-              <a:buFont typeface="Wingdings" pitchFamily="2" charset="2"/>
-              <a:buNone/>
-            </a:pPr>
-            <a:r>
-              <a:rPr lang="en-US" altLang="zh-CN" sz="2000" b="1">
+              <a:rPr lang="en-US" altLang="zh-CN" sz="2000" b="1" dirty="0">
                 <a:solidFill>
                   <a:schemeClr val="folHlink"/>
                 </a:solidFill>
@@ -13288,7 +13432,7 @@
               <a:t>}</a:t>
             </a:r>
             <a:r>
-              <a:rPr lang="en-US" altLang="zh-CN" sz="2000" b="1">
+              <a:rPr lang="en-US" altLang="zh-CN" sz="2000" b="1" dirty="0">
                 <a:latin typeface="Courier New" panose="02070309020205020404" pitchFamily="49" charset="0"/>
               </a:rPr>
               <a:t> </a:t>
@@ -14827,10 +14971,22 @@
               <a:buNone/>
             </a:pPr>
             <a:r>
-              <a:rPr lang="en-US" altLang="zh-CN" sz="2000" b="1">
+              <a:rPr lang="en-US" altLang="zh-CN" sz="2000" b="1" dirty="0">
                 <a:latin typeface="Courier New" panose="02070309020205020404" pitchFamily="49" charset="0"/>
               </a:rPr>
-              <a:t>// recall the “List_t” ADT:</a:t>
+              <a:t>// recall the “</a:t>
+            </a:r>
+            <a:r>
+              <a:rPr lang="en-US" altLang="zh-CN" sz="2000" b="1" dirty="0" err="1">
+                <a:latin typeface="Courier New" panose="02070309020205020404" pitchFamily="49" charset="0"/>
+              </a:rPr>
+              <a:t>List_t</a:t>
+            </a:r>
+            <a:r>
+              <a:rPr lang="en-US" altLang="zh-CN" sz="2000" b="1" dirty="0">
+                <a:latin typeface="Courier New" panose="02070309020205020404" pitchFamily="49" charset="0"/>
+              </a:rPr>
+              <a:t>” ADT:</a:t>
             </a:r>
           </a:p>
           <a:p>
@@ -14842,13 +14998,31 @@
               <a:buNone/>
             </a:pPr>
             <a:r>
-              <a:rPr lang="en-US" altLang="zh-CN" sz="2000" b="1">
+              <a:rPr lang="en-US" altLang="zh-CN" sz="2000" b="1" dirty="0">
                 <a:solidFill>
                   <a:schemeClr val="folHlink"/>
                 </a:solidFill>
                 <a:latin typeface="Courier New" panose="02070309020205020404" pitchFamily="49" charset="0"/>
               </a:rPr>
-              <a:t>#ifndef LIST_H</a:t>
+              <a:t>#</a:t>
+            </a:r>
+            <a:r>
+              <a:rPr lang="en-US" altLang="zh-CN" sz="2000" b="1" dirty="0" err="1">
+                <a:solidFill>
+                  <a:schemeClr val="folHlink"/>
+                </a:solidFill>
+                <a:latin typeface="Courier New" panose="02070309020205020404" pitchFamily="49" charset="0"/>
+              </a:rPr>
+              <a:t>ifndef</a:t>
+            </a:r>
+            <a:r>
+              <a:rPr lang="en-US" altLang="zh-CN" sz="2000" b="1" dirty="0">
+                <a:solidFill>
+                  <a:schemeClr val="folHlink"/>
+                </a:solidFill>
+                <a:latin typeface="Courier New" panose="02070309020205020404" pitchFamily="49" charset="0"/>
+              </a:rPr>
+              <a:t> LIST_H</a:t>
             </a:r>
           </a:p>
           <a:p>
@@ -14860,7 +15034,7 @@
               <a:buNone/>
             </a:pPr>
             <a:r>
-              <a:rPr lang="en-US" altLang="zh-CN" sz="2000" b="1">
+              <a:rPr lang="en-US" altLang="zh-CN" sz="2000" b="1" dirty="0">
                 <a:solidFill>
                   <a:schemeClr val="folHlink"/>
                 </a:solidFill>
@@ -14877,7 +15051,7 @@
               <a:buFont typeface="Wingdings" pitchFamily="2" charset="2"/>
               <a:buNone/>
             </a:pPr>
-            <a:endParaRPr lang="en-US" altLang="zh-CN" sz="2000" b="1">
+            <a:endParaRPr lang="en-US" altLang="zh-CN" sz="2000" b="1" dirty="0">
               <a:solidFill>
                 <a:schemeClr val="folHlink"/>
               </a:solidFill>
@@ -14893,7 +15067,7 @@
               <a:buNone/>
             </a:pPr>
             <a:r>
-              <a:rPr lang="en-US" altLang="zh-CN" sz="2000" b="1">
+              <a:rPr lang="en-US" altLang="zh-CN" sz="2000" b="1" dirty="0">
                 <a:solidFill>
                   <a:schemeClr val="folHlink"/>
                 </a:solidFill>
@@ -14911,13 +15085,49 @@
               <a:buNone/>
             </a:pPr>
             <a:r>
-              <a:rPr lang="en-US" altLang="zh-CN" sz="2000" b="1">
+              <a:rPr lang="en-US" altLang="zh-CN" sz="2000" b="1" dirty="0">
                 <a:solidFill>
                   <a:schemeClr val="folHlink"/>
                 </a:solidFill>
                 <a:latin typeface="Courier New" panose="02070309020205020404" pitchFamily="49" charset="0"/>
               </a:rPr>
-              <a:t>typedef struct List_t *List_t;</a:t>
+              <a:t>typedef struct </a:t>
+            </a:r>
+            <a:r>
+              <a:rPr lang="en-US" altLang="zh-CN" sz="2000" b="1" dirty="0" err="1">
+                <a:solidFill>
+                  <a:schemeClr val="folHlink"/>
+                </a:solidFill>
+                <a:latin typeface="Courier New" panose="02070309020205020404" pitchFamily="49" charset="0"/>
+              </a:rPr>
+              <a:t>List_t</a:t>
+            </a:r>
+            <a:r>
+              <a:rPr lang="en-US" altLang="zh-CN" sz="2000" b="1" dirty="0">
+                <a:solidFill>
+                  <a:schemeClr val="folHlink"/>
+                </a:solidFill>
+                <a:latin typeface="Courier New" panose="02070309020205020404" pitchFamily="49" charset="0"/>
+              </a:rPr>
+              <a:t> *</a:t>
+            </a:r>
+            <a:r>
+              <a:rPr lang="en-US" altLang="zh-CN" sz="2000" b="1" dirty="0" err="1">
+                <a:solidFill>
+                  <a:schemeClr val="folHlink"/>
+                </a:solidFill>
+                <a:latin typeface="Courier New" panose="02070309020205020404" pitchFamily="49" charset="0"/>
+              </a:rPr>
+              <a:t>List_t</a:t>
+            </a:r>
+            <a:r>
+              <a:rPr lang="en-US" altLang="zh-CN" sz="2000" b="1" dirty="0">
+                <a:solidFill>
+                  <a:schemeClr val="folHlink"/>
+                </a:solidFill>
+                <a:latin typeface="Courier New" panose="02070309020205020404" pitchFamily="49" charset="0"/>
+              </a:rPr>
+              <a:t>;</a:t>
             </a:r>
           </a:p>
           <a:p>
@@ -14928,7 +15138,7 @@
               <a:buFont typeface="Wingdings" pitchFamily="2" charset="2"/>
               <a:buNone/>
             </a:pPr>
-            <a:endParaRPr lang="en-US" altLang="zh-CN" sz="2000" b="1">
+            <a:endParaRPr lang="en-US" altLang="zh-CN" sz="2000" b="1" dirty="0">
               <a:solidFill>
                 <a:schemeClr val="folHlink"/>
               </a:solidFill>
@@ -14944,13 +15154,40 @@
               <a:buNone/>
             </a:pPr>
             <a:r>
-              <a:rPr lang="en-US" altLang="zh-CN" sz="2000" b="1">
+              <a:rPr lang="en-US" altLang="zh-CN" sz="2000" b="1" dirty="0" err="1">
                 <a:solidFill>
                   <a:schemeClr val="folHlink"/>
                 </a:solidFill>
                 <a:latin typeface="Courier New" panose="02070309020205020404" pitchFamily="49" charset="0"/>
               </a:rPr>
-              <a:t>List_t List_new ();</a:t>
+              <a:t>List_t</a:t>
+            </a:r>
+            <a:r>
+              <a:rPr lang="en-US" altLang="zh-CN" sz="2000" b="1" dirty="0">
+                <a:solidFill>
+                  <a:schemeClr val="folHlink"/>
+                </a:solidFill>
+                <a:latin typeface="Courier New" panose="02070309020205020404" pitchFamily="49" charset="0"/>
+              </a:rPr>
+              <a:t> </a:t>
+            </a:r>
+            <a:r>
+              <a:rPr lang="en-US" altLang="zh-CN" sz="2000" b="1" dirty="0" err="1">
+                <a:solidFill>
+                  <a:schemeClr val="folHlink"/>
+                </a:solidFill>
+                <a:latin typeface="Courier New" panose="02070309020205020404" pitchFamily="49" charset="0"/>
+              </a:rPr>
+              <a:t>List_new</a:t>
+            </a:r>
+            <a:r>
+              <a:rPr lang="en-US" altLang="zh-CN" sz="2000" b="1" dirty="0">
+                <a:solidFill>
+                  <a:schemeClr val="folHlink"/>
+                </a:solidFill>
+                <a:latin typeface="Courier New" panose="02070309020205020404" pitchFamily="49" charset="0"/>
+              </a:rPr>
+              <a:t>();</a:t>
             </a:r>
           </a:p>
           <a:p>
@@ -14962,13 +15199,49 @@
               <a:buNone/>
             </a:pPr>
             <a:r>
-              <a:rPr lang="en-US" altLang="zh-CN" sz="2000" b="1">
+              <a:rPr lang="en-US" altLang="zh-CN" sz="2000" b="1" dirty="0">
                 <a:solidFill>
                   <a:schemeClr val="folHlink"/>
                 </a:solidFill>
                 <a:latin typeface="Courier New" panose="02070309020205020404" pitchFamily="49" charset="0"/>
               </a:rPr>
-              <a:t>int List_length (List_t l);</a:t>
+              <a:t>int </a:t>
+            </a:r>
+            <a:r>
+              <a:rPr lang="en-US" altLang="zh-CN" sz="2000" b="1" dirty="0" err="1">
+                <a:solidFill>
+                  <a:schemeClr val="folHlink"/>
+                </a:solidFill>
+                <a:latin typeface="Courier New" panose="02070309020205020404" pitchFamily="49" charset="0"/>
+              </a:rPr>
+              <a:t>List_length</a:t>
+            </a:r>
+            <a:r>
+              <a:rPr lang="en-US" altLang="zh-CN" sz="2000" b="1" dirty="0">
+                <a:solidFill>
+                  <a:schemeClr val="folHlink"/>
+                </a:solidFill>
+                <a:latin typeface="Courier New" panose="02070309020205020404" pitchFamily="49" charset="0"/>
+              </a:rPr>
+              <a:t>(</a:t>
+            </a:r>
+            <a:r>
+              <a:rPr lang="en-US" altLang="zh-CN" sz="2000" b="1" dirty="0" err="1">
+                <a:solidFill>
+                  <a:schemeClr val="folHlink"/>
+                </a:solidFill>
+                <a:latin typeface="Courier New" panose="02070309020205020404" pitchFamily="49" charset="0"/>
+              </a:rPr>
+              <a:t>List_t</a:t>
+            </a:r>
+            <a:r>
+              <a:rPr lang="en-US" altLang="zh-CN" sz="2000" b="1" dirty="0">
+                <a:solidFill>
+                  <a:schemeClr val="folHlink"/>
+                </a:solidFill>
+                <a:latin typeface="Courier New" panose="02070309020205020404" pitchFamily="49" charset="0"/>
+              </a:rPr>
+              <a:t> l);</a:t>
             </a:r>
           </a:p>
           <a:p>
@@ -14980,13 +15253,49 @@
               <a:buNone/>
             </a:pPr>
             <a:r>
-              <a:rPr lang="en-US" altLang="zh-CN" sz="2000" b="1">
+              <a:rPr lang="en-US" altLang="zh-CN" sz="2000" b="1" dirty="0">
                 <a:solidFill>
                   <a:schemeClr val="folHlink"/>
                 </a:solidFill>
                 <a:latin typeface="Courier New" panose="02070309020205020404" pitchFamily="49" charset="0"/>
               </a:rPr>
-              <a:t>poly List_nth (List_t l, int n);</a:t>
+              <a:t>poly </a:t>
+            </a:r>
+            <a:r>
+              <a:rPr lang="en-US" altLang="zh-CN" sz="2000" b="1" dirty="0" err="1">
+                <a:solidFill>
+                  <a:schemeClr val="folHlink"/>
+                </a:solidFill>
+                <a:latin typeface="Courier New" panose="02070309020205020404" pitchFamily="49" charset="0"/>
+              </a:rPr>
+              <a:t>List_nth</a:t>
+            </a:r>
+            <a:r>
+              <a:rPr lang="en-US" altLang="zh-CN" sz="2000" b="1" dirty="0">
+                <a:solidFill>
+                  <a:schemeClr val="folHlink"/>
+                </a:solidFill>
+                <a:latin typeface="Courier New" panose="02070309020205020404" pitchFamily="49" charset="0"/>
+              </a:rPr>
+              <a:t>(</a:t>
+            </a:r>
+            <a:r>
+              <a:rPr lang="en-US" altLang="zh-CN" sz="2000" b="1" dirty="0" err="1">
+                <a:solidFill>
+                  <a:schemeClr val="folHlink"/>
+                </a:solidFill>
+                <a:latin typeface="Courier New" panose="02070309020205020404" pitchFamily="49" charset="0"/>
+              </a:rPr>
+              <a:t>List_t</a:t>
+            </a:r>
+            <a:r>
+              <a:rPr lang="en-US" altLang="zh-CN" sz="2000" b="1" dirty="0">
+                <a:solidFill>
+                  <a:schemeClr val="folHlink"/>
+                </a:solidFill>
+                <a:latin typeface="Courier New" panose="02070309020205020404" pitchFamily="49" charset="0"/>
+              </a:rPr>
+              <a:t> l, int n);</a:t>
             </a:r>
           </a:p>
           <a:p>
@@ -14998,13 +15307,67 @@
               <a:buNone/>
             </a:pPr>
             <a:r>
-              <a:rPr lang="en-US" altLang="zh-CN" sz="2000" b="1">
+              <a:rPr lang="en-US" altLang="zh-CN" sz="2000" b="1" dirty="0">
                 <a:solidFill>
                   <a:schemeClr val="folHlink"/>
                 </a:solidFill>
                 <a:latin typeface="Courier New" panose="02070309020205020404" pitchFamily="49" charset="0"/>
               </a:rPr>
-              <a:t>void List_insert (List_t l, poly x, int i);</a:t>
+              <a:t>void </a:t>
+            </a:r>
+            <a:r>
+              <a:rPr lang="en-US" altLang="zh-CN" sz="2000" b="1" dirty="0" err="1">
+                <a:solidFill>
+                  <a:schemeClr val="folHlink"/>
+                </a:solidFill>
+                <a:latin typeface="Courier New" panose="02070309020205020404" pitchFamily="49" charset="0"/>
+              </a:rPr>
+              <a:t>List_insert</a:t>
+            </a:r>
+            <a:r>
+              <a:rPr lang="en-US" altLang="zh-CN" sz="2000" b="1" dirty="0">
+                <a:solidFill>
+                  <a:schemeClr val="folHlink"/>
+                </a:solidFill>
+                <a:latin typeface="Courier New" panose="02070309020205020404" pitchFamily="49" charset="0"/>
+              </a:rPr>
+              <a:t>(</a:t>
+            </a:r>
+            <a:r>
+              <a:rPr lang="en-US" altLang="zh-CN" sz="2000" b="1" dirty="0" err="1">
+                <a:solidFill>
+                  <a:schemeClr val="folHlink"/>
+                </a:solidFill>
+                <a:latin typeface="Courier New" panose="02070309020205020404" pitchFamily="49" charset="0"/>
+              </a:rPr>
+              <a:t>List_t</a:t>
+            </a:r>
+            <a:r>
+              <a:rPr lang="en-US" altLang="zh-CN" sz="2000" b="1" dirty="0">
+                <a:solidFill>
+                  <a:schemeClr val="folHlink"/>
+                </a:solidFill>
+                <a:latin typeface="Courier New" panose="02070309020205020404" pitchFamily="49" charset="0"/>
+              </a:rPr>
+              <a:t> l, poly x, int </a:t>
+            </a:r>
+            <a:r>
+              <a:rPr lang="en-US" altLang="zh-CN" sz="2000" b="1" dirty="0" err="1">
+                <a:solidFill>
+                  <a:schemeClr val="folHlink"/>
+                </a:solidFill>
+                <a:latin typeface="Courier New" panose="02070309020205020404" pitchFamily="49" charset="0"/>
+              </a:rPr>
+              <a:t>i</a:t>
+            </a:r>
+            <a:r>
+              <a:rPr lang="en-US" altLang="zh-CN" sz="2000" b="1" dirty="0">
+                <a:solidFill>
+                  <a:schemeClr val="folHlink"/>
+                </a:solidFill>
+                <a:latin typeface="Courier New" panose="02070309020205020404" pitchFamily="49" charset="0"/>
+              </a:rPr>
+              <a:t>);</a:t>
             </a:r>
           </a:p>
           <a:p>
@@ -15016,13 +15379,67 @@
               <a:buNone/>
             </a:pPr>
             <a:r>
-              <a:rPr lang="en-US" altLang="zh-CN" sz="2000" b="1">
+              <a:rPr lang="en-US" altLang="zh-CN" sz="2000" b="1" dirty="0">
                 <a:solidFill>
                   <a:schemeClr val="folHlink"/>
                 </a:solidFill>
                 <a:latin typeface="Courier New" panose="02070309020205020404" pitchFamily="49" charset="0"/>
               </a:rPr>
-              <a:t>poly List_delete (List_t l, int i);</a:t>
+              <a:t>poly </a:t>
+            </a:r>
+            <a:r>
+              <a:rPr lang="en-US" altLang="zh-CN" sz="2000" b="1" dirty="0" err="1">
+                <a:solidFill>
+                  <a:schemeClr val="folHlink"/>
+                </a:solidFill>
+                <a:latin typeface="Courier New" panose="02070309020205020404" pitchFamily="49" charset="0"/>
+              </a:rPr>
+              <a:t>List_delete</a:t>
+            </a:r>
+            <a:r>
+              <a:rPr lang="en-US" altLang="zh-CN" sz="2000" b="1" dirty="0">
+                <a:solidFill>
+                  <a:schemeClr val="folHlink"/>
+                </a:solidFill>
+                <a:latin typeface="Courier New" panose="02070309020205020404" pitchFamily="49" charset="0"/>
+              </a:rPr>
+              <a:t>(</a:t>
+            </a:r>
+            <a:r>
+              <a:rPr lang="en-US" altLang="zh-CN" sz="2000" b="1" dirty="0" err="1">
+                <a:solidFill>
+                  <a:schemeClr val="folHlink"/>
+                </a:solidFill>
+                <a:latin typeface="Courier New" panose="02070309020205020404" pitchFamily="49" charset="0"/>
+              </a:rPr>
+              <a:t>List_t</a:t>
+            </a:r>
+            <a:r>
+              <a:rPr lang="en-US" altLang="zh-CN" sz="2000" b="1" dirty="0">
+                <a:solidFill>
+                  <a:schemeClr val="folHlink"/>
+                </a:solidFill>
+                <a:latin typeface="Courier New" panose="02070309020205020404" pitchFamily="49" charset="0"/>
+              </a:rPr>
+              <a:t> l, int </a:t>
+            </a:r>
+            <a:r>
+              <a:rPr lang="en-US" altLang="zh-CN" sz="2000" b="1" dirty="0" err="1">
+                <a:solidFill>
+                  <a:schemeClr val="folHlink"/>
+                </a:solidFill>
+                <a:latin typeface="Courier New" panose="02070309020205020404" pitchFamily="49" charset="0"/>
+              </a:rPr>
+              <a:t>i</a:t>
+            </a:r>
+            <a:r>
+              <a:rPr lang="en-US" altLang="zh-CN" sz="2000" b="1" dirty="0">
+                <a:solidFill>
+                  <a:schemeClr val="folHlink"/>
+                </a:solidFill>
+                <a:latin typeface="Courier New" panose="02070309020205020404" pitchFamily="49" charset="0"/>
+              </a:rPr>
+              <a:t>);</a:t>
             </a:r>
           </a:p>
           <a:p>
@@ -15034,13 +15451,49 @@
               <a:buNone/>
             </a:pPr>
             <a:r>
-              <a:rPr lang="en-US" altLang="zh-CN" sz="2000" b="1">
+              <a:rPr lang="en-US" altLang="zh-CN" sz="2000" b="1" dirty="0">
                 <a:solidFill>
                   <a:schemeClr val="folHlink"/>
                 </a:solidFill>
                 <a:latin typeface="Courier New" panose="02070309020205020404" pitchFamily="49" charset="0"/>
               </a:rPr>
-              <a:t>void List_foreach (List_t l, void (*f)(poly));</a:t>
+              <a:t>void </a:t>
+            </a:r>
+            <a:r>
+              <a:rPr lang="en-US" altLang="zh-CN" sz="2000" b="1" dirty="0" err="1">
+                <a:solidFill>
+                  <a:schemeClr val="folHlink"/>
+                </a:solidFill>
+                <a:latin typeface="Courier New" panose="02070309020205020404" pitchFamily="49" charset="0"/>
+              </a:rPr>
+              <a:t>List_foreach</a:t>
+            </a:r>
+            <a:r>
+              <a:rPr lang="en-US" altLang="zh-CN" sz="2000" b="1" dirty="0">
+                <a:solidFill>
+                  <a:schemeClr val="folHlink"/>
+                </a:solidFill>
+                <a:latin typeface="Courier New" panose="02070309020205020404" pitchFamily="49" charset="0"/>
+              </a:rPr>
+              <a:t>(</a:t>
+            </a:r>
+            <a:r>
+              <a:rPr lang="en-US" altLang="zh-CN" sz="2000" b="1" dirty="0" err="1">
+                <a:solidFill>
+                  <a:schemeClr val="folHlink"/>
+                </a:solidFill>
+                <a:latin typeface="Courier New" panose="02070309020205020404" pitchFamily="49" charset="0"/>
+              </a:rPr>
+              <a:t>List_t</a:t>
+            </a:r>
+            <a:r>
+              <a:rPr lang="en-US" altLang="zh-CN" sz="2000" b="1" dirty="0">
+                <a:solidFill>
+                  <a:schemeClr val="folHlink"/>
+                </a:solidFill>
+                <a:latin typeface="Courier New" panose="02070309020205020404" pitchFamily="49" charset="0"/>
+              </a:rPr>
+              <a:t> l, void (*f)(poly));</a:t>
             </a:r>
           </a:p>
           <a:p>
@@ -15051,7 +15504,7 @@
               <a:buFont typeface="Wingdings" pitchFamily="2" charset="2"/>
               <a:buNone/>
             </a:pPr>
-            <a:endParaRPr lang="en-US" altLang="zh-CN" sz="2000" b="1">
+            <a:endParaRPr lang="en-US" altLang="zh-CN" sz="2000" b="1" dirty="0">
               <a:solidFill>
                 <a:schemeClr val="folHlink"/>
               </a:solidFill>
@@ -15067,7 +15520,7 @@
               <a:buNone/>
             </a:pPr>
             <a:r>
-              <a:rPr lang="en-US" altLang="zh-CN" sz="2000" b="1">
+              <a:rPr lang="en-US" altLang="zh-CN" sz="2000" b="1" dirty="0">
                 <a:solidFill>
                   <a:schemeClr val="folHlink"/>
                 </a:solidFill>
@@ -16718,7 +17171,7 @@
               <a:buNone/>
             </a:pPr>
             <a:r>
-              <a:rPr lang="en-US" altLang="zh-CN" sz="2000" b="1">
+              <a:rPr lang="en-US" altLang="zh-CN" sz="2000" b="1" dirty="0">
                 <a:latin typeface="Courier New" panose="02070309020205020404" pitchFamily="49" charset="0"/>
               </a:rPr>
               <a:t>// Turn the above figure into C, we have:</a:t>
@@ -16733,10 +17186,22 @@
               <a:buNone/>
             </a:pPr>
             <a:r>
-              <a:rPr lang="en-US" altLang="zh-CN" sz="2000" b="1">
+              <a:rPr lang="en-US" altLang="zh-CN" sz="2000" b="1" dirty="0">
                 <a:latin typeface="Courier New" panose="02070309020205020404" pitchFamily="49" charset="0"/>
               </a:rPr>
-              <a:t>// in file “list.c”</a:t>
+              <a:t>// in file “</a:t>
+            </a:r>
+            <a:r>
+              <a:rPr lang="en-US" altLang="zh-CN" sz="2000" b="1" dirty="0" err="1">
+                <a:latin typeface="Courier New" panose="02070309020205020404" pitchFamily="49" charset="0"/>
+              </a:rPr>
+              <a:t>list.c</a:t>
+            </a:r>
+            <a:r>
+              <a:rPr lang="en-US" altLang="zh-CN" sz="2000" b="1" dirty="0">
+                <a:latin typeface="Courier New" panose="02070309020205020404" pitchFamily="49" charset="0"/>
+              </a:rPr>
+              <a:t>”</a:t>
             </a:r>
           </a:p>
           <a:p>
@@ -16748,13 +17213,31 @@
               <a:buNone/>
             </a:pPr>
             <a:r>
-              <a:rPr lang="en-US" altLang="zh-CN" sz="2000" b="1">
+              <a:rPr lang="en-US" altLang="zh-CN" sz="2000" b="1" dirty="0">
                 <a:solidFill>
                   <a:schemeClr val="folHlink"/>
                 </a:solidFill>
                 <a:latin typeface="Courier New" panose="02070309020205020404" pitchFamily="49" charset="0"/>
               </a:rPr>
-              <a:t>#include &lt;stdlib.h&gt;</a:t>
+              <a:t>#include &lt;</a:t>
+            </a:r>
+            <a:r>
+              <a:rPr lang="en-US" altLang="zh-CN" sz="2000" b="1" dirty="0" err="1">
+                <a:solidFill>
+                  <a:schemeClr val="folHlink"/>
+                </a:solidFill>
+                <a:latin typeface="Courier New" panose="02070309020205020404" pitchFamily="49" charset="0"/>
+              </a:rPr>
+              <a:t>stdlib.h</a:t>
+            </a:r>
+            <a:r>
+              <a:rPr lang="en-US" altLang="zh-CN" sz="2000" b="1" dirty="0">
+                <a:solidFill>
+                  <a:schemeClr val="folHlink"/>
+                </a:solidFill>
+                <a:latin typeface="Courier New" panose="02070309020205020404" pitchFamily="49" charset="0"/>
+              </a:rPr>
+              <a:t>&gt;</a:t>
             </a:r>
           </a:p>
           <a:p>
@@ -16766,13 +17249,31 @@
               <a:buNone/>
             </a:pPr>
             <a:r>
-              <a:rPr lang="en-US" altLang="zh-CN" sz="2000" b="1">
+              <a:rPr lang="en-US" altLang="zh-CN" sz="2000" b="1" dirty="0">
                 <a:solidFill>
                   <a:schemeClr val="folHlink"/>
                 </a:solidFill>
                 <a:latin typeface="Courier New" panose="02070309020205020404" pitchFamily="49" charset="0"/>
               </a:rPr>
-              <a:t>#include “list.h”</a:t>
+              <a:t>#include “</a:t>
+            </a:r>
+            <a:r>
+              <a:rPr lang="en-US" altLang="zh-CN" sz="2000" b="1" dirty="0" err="1">
+                <a:solidFill>
+                  <a:schemeClr val="folHlink"/>
+                </a:solidFill>
+                <a:latin typeface="Courier New" panose="02070309020205020404" pitchFamily="49" charset="0"/>
+              </a:rPr>
+              <a:t>list.h</a:t>
+            </a:r>
+            <a:r>
+              <a:rPr lang="en-US" altLang="zh-CN" sz="2000" b="1" dirty="0">
+                <a:solidFill>
+                  <a:schemeClr val="folHlink"/>
+                </a:solidFill>
+                <a:latin typeface="Courier New" panose="02070309020205020404" pitchFamily="49" charset="0"/>
+              </a:rPr>
+              <a:t>”</a:t>
             </a:r>
           </a:p>
           <a:p>
@@ -16784,13 +17285,31 @@
               <a:buNone/>
             </a:pPr>
             <a:r>
-              <a:rPr lang="en-US" altLang="zh-CN" sz="2000" b="1">
+              <a:rPr lang="en-US" altLang="zh-CN" sz="2000" b="1" dirty="0">
                 <a:solidFill>
                   <a:schemeClr val="folHlink"/>
                 </a:solidFill>
                 <a:latin typeface="Courier New" panose="02070309020205020404" pitchFamily="49" charset="0"/>
               </a:rPr>
-              <a:t>struct List_t</a:t>
+              <a:t>struct </a:t>
+            </a:r>
+            <a:r>
+              <a:rPr lang="en-US" altLang="zh-CN" sz="2000" b="1" dirty="0" err="1">
+                <a:solidFill>
+                  <a:schemeClr val="folHlink"/>
+                </a:solidFill>
+                <a:latin typeface="Courier New" panose="02070309020205020404" pitchFamily="49" charset="0"/>
+              </a:rPr>
+              <a:t>List_t</a:t>
+            </a:r>
+            <a:r>
+              <a:rPr lang="en-US" altLang="zh-CN" sz="2000" b="1" dirty="0">
+                <a:solidFill>
+                  <a:schemeClr val="folHlink"/>
+                </a:solidFill>
+                <a:latin typeface="Courier New" panose="02070309020205020404" pitchFamily="49" charset="0"/>
+              </a:rPr>
+              <a:t>{</a:t>
             </a:r>
           </a:p>
           <a:p>
@@ -16802,13 +17321,13 @@
               <a:buNone/>
             </a:pPr>
             <a:r>
-              <a:rPr lang="en-US" altLang="zh-CN" sz="2000" b="1">
+              <a:rPr lang="en-US" altLang="zh-CN" sz="2000" b="1" dirty="0">
                 <a:solidFill>
                   <a:schemeClr val="folHlink"/>
                 </a:solidFill>
                 <a:latin typeface="Courier New" panose="02070309020205020404" pitchFamily="49" charset="0"/>
               </a:rPr>
-              <a:t>{</a:t>
+              <a:t>  poly data;</a:t>
             </a:r>
           </a:p>
           <a:p>
@@ -16820,13 +17339,31 @@
               <a:buNone/>
             </a:pPr>
             <a:r>
-              <a:rPr lang="en-US" altLang="zh-CN" sz="2000" b="1">
+              <a:rPr lang="en-US" altLang="zh-CN" sz="2000" b="1" dirty="0">
                 <a:solidFill>
                   <a:schemeClr val="folHlink"/>
                 </a:solidFill>
                 <a:latin typeface="Courier New" panose="02070309020205020404" pitchFamily="49" charset="0"/>
               </a:rPr>
-              <a:t>  poly data;</a:t>
+              <a:t>  </a:t>
+            </a:r>
+            <a:r>
+              <a:rPr lang="en-US" altLang="zh-CN" sz="2000" b="1" dirty="0" err="1">
+                <a:solidFill>
+                  <a:schemeClr val="folHlink"/>
+                </a:solidFill>
+                <a:latin typeface="Courier New" panose="02070309020205020404" pitchFamily="49" charset="0"/>
+              </a:rPr>
+              <a:t>List_t</a:t>
+            </a:r>
+            <a:r>
+              <a:rPr lang="en-US" altLang="zh-CN" sz="2000" b="1" dirty="0">
+                <a:solidFill>
+                  <a:schemeClr val="folHlink"/>
+                </a:solidFill>
+                <a:latin typeface="Courier New" panose="02070309020205020404" pitchFamily="49" charset="0"/>
+              </a:rPr>
+              <a:t> next;</a:t>
             </a:r>
           </a:p>
           <a:p>
@@ -16838,13 +17375,13 @@
               <a:buNone/>
             </a:pPr>
             <a:r>
-              <a:rPr lang="en-US" altLang="zh-CN" sz="2000" b="1">
+              <a:rPr lang="en-US" altLang="zh-CN" sz="2000" b="1" dirty="0">
                 <a:solidFill>
                   <a:schemeClr val="folHlink"/>
                 </a:solidFill>
                 <a:latin typeface="Courier New" panose="02070309020205020404" pitchFamily="49" charset="0"/>
               </a:rPr>
-              <a:t>  List_t next;</a:t>
+              <a:t>};</a:t>
             </a:r>
           </a:p>
           <a:p>
@@ -16855,25 +17392,7 @@
               <a:buFont typeface="Wingdings" pitchFamily="2" charset="2"/>
               <a:buNone/>
             </a:pPr>
-            <a:r>
-              <a:rPr lang="en-US" altLang="zh-CN" sz="2000" b="1">
-                <a:solidFill>
-                  <a:schemeClr val="folHlink"/>
-                </a:solidFill>
-                <a:latin typeface="Courier New" panose="02070309020205020404" pitchFamily="49" charset="0"/>
-              </a:rPr>
-              <a:t>};</a:t>
-            </a:r>
-          </a:p>
-          <a:p>
-            <a:pPr>
-              <a:lnSpc>
-                <a:spcPct val="90000"/>
-              </a:lnSpc>
-              <a:buFont typeface="Wingdings" pitchFamily="2" charset="2"/>
-              <a:buNone/>
-            </a:pPr>
-            <a:endParaRPr lang="en-US" altLang="zh-CN" sz="2000" b="1">
+            <a:endParaRPr lang="en-US" altLang="zh-CN" sz="2000" b="1" dirty="0">
               <a:latin typeface="Courier New" panose="02070309020205020404" pitchFamily="49" charset="0"/>
             </a:endParaRPr>
           </a:p>
@@ -18036,10 +18555,22 @@
               <a:buNone/>
             </a:pPr>
             <a:r>
-              <a:rPr lang="en-US" altLang="zh-CN" sz="2000" b="1">
+              <a:rPr lang="en-US" altLang="zh-CN" sz="2000" b="1" dirty="0">
                 <a:latin typeface="Courier New" panose="02070309020205020404" pitchFamily="49" charset="0"/>
               </a:rPr>
-              <a:t>// “List_new” returns an empty list</a:t>
+              <a:t>// “</a:t>
+            </a:r>
+            <a:r>
+              <a:rPr lang="en-US" altLang="zh-CN" sz="2000" b="1" dirty="0" err="1">
+                <a:latin typeface="Courier New" panose="02070309020205020404" pitchFamily="49" charset="0"/>
+              </a:rPr>
+              <a:t>List_new</a:t>
+            </a:r>
+            <a:r>
+              <a:rPr lang="en-US" altLang="zh-CN" sz="2000" b="1" dirty="0">
+                <a:latin typeface="Courier New" panose="02070309020205020404" pitchFamily="49" charset="0"/>
+              </a:rPr>
+              <a:t>” returns an empty list</a:t>
             </a:r>
           </a:p>
           <a:p>
@@ -18051,13 +18582,40 @@
               <a:buNone/>
             </a:pPr>
             <a:r>
-              <a:rPr lang="en-US" altLang="zh-CN" sz="2000" b="1">
+              <a:rPr lang="en-US" altLang="zh-CN" sz="2000" b="1" dirty="0" err="1">
                 <a:solidFill>
                   <a:schemeClr val="folHlink"/>
                 </a:solidFill>
                 <a:latin typeface="Courier New" panose="02070309020205020404" pitchFamily="49" charset="0"/>
               </a:rPr>
-              <a:t>List_t List_new ()</a:t>
+              <a:t>List_t</a:t>
+            </a:r>
+            <a:r>
+              <a:rPr lang="en-US" altLang="zh-CN" sz="2000" b="1" dirty="0">
+                <a:solidFill>
+                  <a:schemeClr val="folHlink"/>
+                </a:solidFill>
+                <a:latin typeface="Courier New" panose="02070309020205020404" pitchFamily="49" charset="0"/>
+              </a:rPr>
+              <a:t> </a:t>
+            </a:r>
+            <a:r>
+              <a:rPr lang="en-US" altLang="zh-CN" sz="2000" b="1" dirty="0" err="1">
+                <a:solidFill>
+                  <a:schemeClr val="folHlink"/>
+                </a:solidFill>
+                <a:latin typeface="Courier New" panose="02070309020205020404" pitchFamily="49" charset="0"/>
+              </a:rPr>
+              <a:t>List_new</a:t>
+            </a:r>
+            <a:r>
+              <a:rPr lang="en-US" altLang="zh-CN" sz="2000" b="1" dirty="0">
+                <a:solidFill>
+                  <a:schemeClr val="folHlink"/>
+                </a:solidFill>
+                <a:latin typeface="Courier New" panose="02070309020205020404" pitchFamily="49" charset="0"/>
+              </a:rPr>
+              <a:t>(){</a:t>
             </a:r>
           </a:p>
           <a:p>
@@ -18069,13 +18627,13 @@
               <a:buNone/>
             </a:pPr>
             <a:r>
-              <a:rPr lang="en-US" altLang="zh-CN" sz="2000" b="1">
+              <a:rPr lang="en-US" altLang="zh-CN" sz="2000" b="1" dirty="0">
                 <a:solidFill>
                   <a:schemeClr val="folHlink"/>
                 </a:solidFill>
                 <a:latin typeface="Courier New" panose="02070309020205020404" pitchFamily="49" charset="0"/>
               </a:rPr>
-              <a:t>{</a:t>
+              <a:t>  return 0;</a:t>
             </a:r>
           </a:p>
           <a:p>
@@ -18087,13 +18645,13 @@
               <a:buNone/>
             </a:pPr>
             <a:r>
-              <a:rPr lang="en-US" altLang="zh-CN" sz="2000" b="1">
+              <a:rPr lang="en-US" altLang="zh-CN" sz="2000" b="1" dirty="0">
                 <a:solidFill>
                   <a:schemeClr val="folHlink"/>
                 </a:solidFill>
                 <a:latin typeface="Courier New" panose="02070309020205020404" pitchFamily="49" charset="0"/>
               </a:rPr>
-              <a:t>  return 0;</a:t>
+              <a:t>}</a:t>
             </a:r>
           </a:p>
           <a:p>
@@ -18104,25 +18662,7 @@
               <a:buFont typeface="Wingdings" pitchFamily="2" charset="2"/>
               <a:buNone/>
             </a:pPr>
-            <a:r>
-              <a:rPr lang="en-US" altLang="zh-CN" sz="2000" b="1">
-                <a:solidFill>
-                  <a:schemeClr val="folHlink"/>
-                </a:solidFill>
-                <a:latin typeface="Courier New" panose="02070309020205020404" pitchFamily="49" charset="0"/>
-              </a:rPr>
-              <a:t>}</a:t>
-            </a:r>
-          </a:p>
-          <a:p>
-            <a:pPr>
-              <a:lnSpc>
-                <a:spcPct val="90000"/>
-              </a:lnSpc>
-              <a:buFont typeface="Wingdings" pitchFamily="2" charset="2"/>
-              <a:buNone/>
-            </a:pPr>
-            <a:endParaRPr lang="en-US" altLang="zh-CN" sz="2000" b="1">
+            <a:endParaRPr lang="en-US" altLang="zh-CN" sz="2000" b="1" dirty="0">
               <a:solidFill>
                 <a:schemeClr val="folHlink"/>
               </a:solidFill>
@@ -18210,13 +18750,58 @@
               <a:buNone/>
             </a:pPr>
             <a:r>
-              <a:rPr lang="en-US" altLang="zh-CN" sz="2000" b="1">
+              <a:rPr lang="en-US" altLang="zh-CN" sz="2000" b="1" dirty="0" err="1">
                 <a:solidFill>
                   <a:schemeClr val="folHlink"/>
                 </a:solidFill>
                 <a:latin typeface="Courier New" panose="02070309020205020404" pitchFamily="49" charset="0"/>
               </a:rPr>
-              <a:t>List_t List_concat (poly data, List_t l)</a:t>
+              <a:t>List_t</a:t>
+            </a:r>
+            <a:r>
+              <a:rPr lang="en-US" altLang="zh-CN" sz="2000" b="1" dirty="0">
+                <a:solidFill>
+                  <a:schemeClr val="folHlink"/>
+                </a:solidFill>
+                <a:latin typeface="Courier New" panose="02070309020205020404" pitchFamily="49" charset="0"/>
+              </a:rPr>
+              <a:t> </a:t>
+            </a:r>
+            <a:r>
+              <a:rPr lang="en-US" altLang="zh-CN" sz="2000" b="1" dirty="0" err="1">
+                <a:solidFill>
+                  <a:schemeClr val="folHlink"/>
+                </a:solidFill>
+                <a:latin typeface="Courier New" panose="02070309020205020404" pitchFamily="49" charset="0"/>
+              </a:rPr>
+              <a:t>List_concat</a:t>
+            </a:r>
+            <a:r>
+              <a:rPr lang="en-US" altLang="zh-CN" sz="2000" b="1" dirty="0">
+                <a:solidFill>
+                  <a:schemeClr val="folHlink"/>
+                </a:solidFill>
+                <a:latin typeface="Courier New" panose="02070309020205020404" pitchFamily="49" charset="0"/>
+              </a:rPr>
+              <a:t>(poly data, </a:t>
+            </a:r>
+            <a:r>
+              <a:rPr lang="en-US" altLang="zh-CN" sz="2000" b="1" dirty="0" err="1">
+                <a:solidFill>
+                  <a:schemeClr val="folHlink"/>
+                </a:solidFill>
+                <a:latin typeface="Courier New" panose="02070309020205020404" pitchFamily="49" charset="0"/>
+              </a:rPr>
+              <a:t>List_t</a:t>
+            </a:r>
+            <a:r>
+              <a:rPr lang="en-US" altLang="zh-CN" sz="2000" b="1" dirty="0">
+                <a:solidFill>
+                  <a:schemeClr val="folHlink"/>
+                </a:solidFill>
+                <a:latin typeface="Courier New" panose="02070309020205020404" pitchFamily="49" charset="0"/>
+              </a:rPr>
+              <a:t> l){</a:t>
             </a:r>
           </a:p>
           <a:p>
@@ -18225,13 +18810,49 @@
               <a:buNone/>
             </a:pPr>
             <a:r>
-              <a:rPr lang="en-US" altLang="zh-CN" sz="2000" b="1">
+              <a:rPr lang="en-US" altLang="zh-CN" sz="2000" b="1" dirty="0">
                 <a:solidFill>
                   <a:schemeClr val="folHlink"/>
                 </a:solidFill>
                 <a:latin typeface="Courier New" panose="02070309020205020404" pitchFamily="49" charset="0"/>
               </a:rPr>
-              <a:t>{</a:t>
+              <a:t>  </a:t>
+            </a:r>
+            <a:r>
+              <a:rPr lang="en-US" altLang="zh-CN" sz="2000" b="1" dirty="0" err="1">
+                <a:solidFill>
+                  <a:schemeClr val="folHlink"/>
+                </a:solidFill>
+                <a:latin typeface="Courier New" panose="02070309020205020404" pitchFamily="49" charset="0"/>
+              </a:rPr>
+              <a:t>List_t</a:t>
+            </a:r>
+            <a:r>
+              <a:rPr lang="en-US" altLang="zh-CN" sz="2000" b="1" dirty="0">
+                <a:solidFill>
+                  <a:schemeClr val="folHlink"/>
+                </a:solidFill>
+                <a:latin typeface="Courier New" panose="02070309020205020404" pitchFamily="49" charset="0"/>
+              </a:rPr>
+              <a:t> temp = malloc(</a:t>
+            </a:r>
+            <a:r>
+              <a:rPr lang="en-US" altLang="zh-CN" sz="2000" b="1" dirty="0" err="1">
+                <a:solidFill>
+                  <a:schemeClr val="folHlink"/>
+                </a:solidFill>
+                <a:latin typeface="Courier New" panose="02070309020205020404" pitchFamily="49" charset="0"/>
+              </a:rPr>
+              <a:t>sizeof</a:t>
+            </a:r>
+            <a:r>
+              <a:rPr lang="en-US" altLang="zh-CN" sz="2000" b="1" dirty="0">
+                <a:solidFill>
+                  <a:schemeClr val="folHlink"/>
+                </a:solidFill>
+                <a:latin typeface="Courier New" panose="02070309020205020404" pitchFamily="49" charset="0"/>
+              </a:rPr>
+              <a:t>(*temp));</a:t>
             </a:r>
           </a:p>
           <a:p>
@@ -18240,13 +18861,13 @@
               <a:buNone/>
             </a:pPr>
             <a:r>
-              <a:rPr lang="en-US" altLang="zh-CN" sz="2000" b="1">
+              <a:rPr lang="en-US" altLang="zh-CN" sz="2000" b="1" dirty="0">
                 <a:solidFill>
                   <a:schemeClr val="folHlink"/>
                 </a:solidFill>
                 <a:latin typeface="Courier New" panose="02070309020205020404" pitchFamily="49" charset="0"/>
               </a:rPr>
-              <a:t>  List_t temp = malloc (sizeof(*temp));</a:t>
+              <a:t>  temp-&gt;data = data;</a:t>
             </a:r>
           </a:p>
           <a:p>
@@ -18255,13 +18876,13 @@
               <a:buNone/>
             </a:pPr>
             <a:r>
-              <a:rPr lang="en-US" altLang="zh-CN" sz="2000" b="1">
+              <a:rPr lang="en-US" altLang="zh-CN" sz="2000" b="1" dirty="0">
                 <a:solidFill>
                   <a:schemeClr val="folHlink"/>
                 </a:solidFill>
                 <a:latin typeface="Courier New" panose="02070309020205020404" pitchFamily="49" charset="0"/>
               </a:rPr>
-              <a:t>  temp-&gt;data = data;</a:t>
+              <a:t>  temp-&gt;next = l;</a:t>
             </a:r>
           </a:p>
           <a:p>
@@ -18270,13 +18891,13 @@
               <a:buNone/>
             </a:pPr>
             <a:r>
-              <a:rPr lang="en-US" altLang="zh-CN" sz="2000" b="1">
+              <a:rPr lang="en-US" altLang="zh-CN" sz="2000" b="1" dirty="0">
                 <a:solidFill>
                   <a:schemeClr val="folHlink"/>
                 </a:solidFill>
                 <a:latin typeface="Courier New" panose="02070309020205020404" pitchFamily="49" charset="0"/>
               </a:rPr>
-              <a:t>  temp-&gt;next = l;</a:t>
+              <a:t>  return temp;</a:t>
             </a:r>
           </a:p>
           <a:p>
@@ -18285,22 +18906,7 @@
               <a:buNone/>
             </a:pPr>
             <a:r>
-              <a:rPr lang="en-US" altLang="zh-CN" sz="2000" b="1">
-                <a:solidFill>
-                  <a:schemeClr val="folHlink"/>
-                </a:solidFill>
-                <a:latin typeface="Courier New" panose="02070309020205020404" pitchFamily="49" charset="0"/>
-              </a:rPr>
-              <a:t>  return temp;</a:t>
-            </a:r>
-          </a:p>
-          <a:p>
-            <a:pPr>
-              <a:buFont typeface="Wingdings" pitchFamily="2" charset="2"/>
-              <a:buNone/>
-            </a:pPr>
-            <a:r>
-              <a:rPr lang="en-US" altLang="zh-CN" sz="2000" b="1">
+              <a:rPr lang="en-US" altLang="zh-CN" sz="2000" b="1" dirty="0">
                 <a:solidFill>
                   <a:schemeClr val="folHlink"/>
                 </a:solidFill>
